--- a/Daily Agendas/Day2.5_PythonIntro2.pptx
+++ b/Daily Agendas/Day2.5_PythonIntro2.pptx
@@ -6,6 +6,7 @@
   </p:sldMasterIdLst>
   <p:sldIdLst>
     <p:sldId id="256" r:id="rId2"/>
+    <p:sldId id="257" r:id="rId3"/>
   </p:sldIdLst>
   <p:sldSz cx="9144000" cy="6858000" type="screen4x3"/>
   <p:notesSz cx="6858000" cy="9144000"/>
@@ -303,7 +304,7 @@
             <a:fld id="{1D8BD707-D9CF-40AE-B4C6-C98DA3205C09}" type="datetimeFigureOut">
               <a:rPr lang="en-US" smtClean="0"/>
               <a:pPr/>
-              <a:t>2/13/2019</a:t>
+              <a:t>2/15/2019</a:t>
             </a:fld>
             <a:endParaRPr lang="en-US"/>
           </a:p>
@@ -468,7 +469,7 @@
             <a:fld id="{1D8BD707-D9CF-40AE-B4C6-C98DA3205C09}" type="datetimeFigureOut">
               <a:rPr lang="en-US" smtClean="0"/>
               <a:pPr/>
-              <a:t>2/13/2019</a:t>
+              <a:t>2/15/2019</a:t>
             </a:fld>
             <a:endParaRPr lang="en-US"/>
           </a:p>
@@ -643,7 +644,7 @@
             <a:fld id="{1D8BD707-D9CF-40AE-B4C6-C98DA3205C09}" type="datetimeFigureOut">
               <a:rPr lang="en-US" smtClean="0"/>
               <a:pPr/>
-              <a:t>2/13/2019</a:t>
+              <a:t>2/15/2019</a:t>
             </a:fld>
             <a:endParaRPr lang="en-US"/>
           </a:p>
@@ -808,7 +809,7 @@
             <a:fld id="{1D8BD707-D9CF-40AE-B4C6-C98DA3205C09}" type="datetimeFigureOut">
               <a:rPr lang="en-US" smtClean="0"/>
               <a:pPr/>
-              <a:t>2/13/2019</a:t>
+              <a:t>2/15/2019</a:t>
             </a:fld>
             <a:endParaRPr lang="en-US"/>
           </a:p>
@@ -1050,7 +1051,7 @@
             <a:fld id="{1D8BD707-D9CF-40AE-B4C6-C98DA3205C09}" type="datetimeFigureOut">
               <a:rPr lang="en-US" smtClean="0"/>
               <a:pPr/>
-              <a:t>2/13/2019</a:t>
+              <a:t>2/15/2019</a:t>
             </a:fld>
             <a:endParaRPr lang="en-US"/>
           </a:p>
@@ -1332,7 +1333,7 @@
             <a:fld id="{1D8BD707-D9CF-40AE-B4C6-C98DA3205C09}" type="datetimeFigureOut">
               <a:rPr lang="en-US" smtClean="0"/>
               <a:pPr/>
-              <a:t>2/13/2019</a:t>
+              <a:t>2/15/2019</a:t>
             </a:fld>
             <a:endParaRPr lang="en-US"/>
           </a:p>
@@ -1748,7 +1749,7 @@
             <a:fld id="{1D8BD707-D9CF-40AE-B4C6-C98DA3205C09}" type="datetimeFigureOut">
               <a:rPr lang="en-US" smtClean="0"/>
               <a:pPr/>
-              <a:t>2/13/2019</a:t>
+              <a:t>2/15/2019</a:t>
             </a:fld>
             <a:endParaRPr lang="en-US"/>
           </a:p>
@@ -1862,7 +1863,7 @@
             <a:fld id="{1D8BD707-D9CF-40AE-B4C6-C98DA3205C09}" type="datetimeFigureOut">
               <a:rPr lang="en-US" smtClean="0"/>
               <a:pPr/>
-              <a:t>2/13/2019</a:t>
+              <a:t>2/15/2019</a:t>
             </a:fld>
             <a:endParaRPr lang="en-US"/>
           </a:p>
@@ -1954,7 +1955,7 @@
             <a:fld id="{1D8BD707-D9CF-40AE-B4C6-C98DA3205C09}" type="datetimeFigureOut">
               <a:rPr lang="en-US" smtClean="0"/>
               <a:pPr/>
-              <a:t>2/13/2019</a:t>
+              <a:t>2/15/2019</a:t>
             </a:fld>
             <a:endParaRPr lang="en-US"/>
           </a:p>
@@ -2226,7 +2227,7 @@
             <a:fld id="{1D8BD707-D9CF-40AE-B4C6-C98DA3205C09}" type="datetimeFigureOut">
               <a:rPr lang="en-US" smtClean="0"/>
               <a:pPr/>
-              <a:t>2/13/2019</a:t>
+              <a:t>2/15/2019</a:t>
             </a:fld>
             <a:endParaRPr lang="en-US"/>
           </a:p>
@@ -2475,7 +2476,7 @@
             <a:fld id="{1D8BD707-D9CF-40AE-B4C6-C98DA3205C09}" type="datetimeFigureOut">
               <a:rPr lang="en-US" smtClean="0"/>
               <a:pPr/>
-              <a:t>2/13/2019</a:t>
+              <a:t>2/15/2019</a:t>
             </a:fld>
             <a:endParaRPr lang="en-US"/>
           </a:p>
@@ -2683,7 +2684,7 @@
             <a:fld id="{1D8BD707-D9CF-40AE-B4C6-C98DA3205C09}" type="datetimeFigureOut">
               <a:rPr lang="en-US" smtClean="0"/>
               <a:pPr/>
-              <a:t>2/13/2019</a:t>
+              <a:t>2/15/2019</a:t>
             </a:fld>
             <a:endParaRPr lang="en-US"/>
           </a:p>
@@ -3079,11 +3080,7 @@
             </a:r>
             <a:r>
               <a:rPr lang="en-US" dirty="0" smtClean="0"/>
-              <a:t>Feb </a:t>
-            </a:r>
-            <a:r>
-              <a:rPr lang="en-US" dirty="0" smtClean="0"/>
-              <a:t>15</a:t>
+              <a:t>Feb 15</a:t>
             </a:r>
             <a:endParaRPr lang="en-US" dirty="0"/>
           </a:p>
@@ -3115,9 +3112,19 @@
             <a:pPr lvl="1"/>
             <a:r>
               <a:rPr lang="en-US" dirty="0" smtClean="0"/>
-              <a:t>Module B.1 Python Programming Introduction</a:t>
-            </a:r>
-            <a:endParaRPr lang="en-US" dirty="0" smtClean="0"/>
+              <a:t>Warm-Up Quiz</a:t>
+            </a:r>
+          </a:p>
+          <a:p>
+            <a:pPr lvl="1"/>
+            <a:r>
+              <a:rPr lang="en-US" dirty="0" smtClean="0"/>
+              <a:t>Module </a:t>
+            </a:r>
+            <a:r>
+              <a:rPr lang="en-US" dirty="0" smtClean="0"/>
+              <a:t>B.1 Python Programming Introduction</a:t>
+            </a:r>
           </a:p>
           <a:p>
             <a:pPr lvl="2"/>
@@ -3125,17 +3132,20 @@
               <a:rPr lang="en-CA" dirty="0" smtClean="0"/>
               <a:t>Use Your Account at repl.it</a:t>
             </a:r>
-            <a:endParaRPr lang="en-CA" dirty="0" smtClean="0"/>
           </a:p>
           <a:p>
             <a:pPr lvl="2"/>
             <a:r>
-              <a:rPr lang="en-CA" smtClean="0"/>
-              <a:t>Continue </a:t>
-            </a:r>
-            <a:r>
               <a:rPr lang="en-CA" dirty="0" smtClean="0"/>
-              <a:t>Tutorial (Due Tuesday)</a:t>
+              <a:t>Continue Tutorial </a:t>
+            </a:r>
+            <a:r>
+              <a:rPr lang="en-CA" dirty="0" smtClean="0"/>
+              <a:t>(Complete on </a:t>
+            </a:r>
+            <a:r>
+              <a:rPr lang="en-CA" dirty="0" smtClean="0"/>
+              <a:t>Tuesday)</a:t>
             </a:r>
             <a:endParaRPr lang="en-US" i="1" u="sng" dirty="0"/>
           </a:p>
@@ -3155,22 +3165,18 @@
             <a:pPr lvl="1"/>
             <a:r>
               <a:rPr lang="en-CA" sz="2400" dirty="0" smtClean="0"/>
-              <a:t>Tomorrow: Continue B.1 Python Programming Tutorial</a:t>
+              <a:t>Tuesday: Complete B.1 </a:t>
+            </a:r>
+            <a:r>
+              <a:rPr lang="en-CA" sz="2400" dirty="0" smtClean="0"/>
+              <a:t>Python Programming Tutorial</a:t>
             </a:r>
           </a:p>
           <a:p>
             <a:pPr lvl="1"/>
             <a:r>
               <a:rPr lang="en-CA" sz="2400" dirty="0" smtClean="0"/>
-              <a:t>Past </a:t>
-            </a:r>
-            <a:r>
-              <a:rPr lang="en-CA" sz="2400" dirty="0" smtClean="0"/>
-              <a:t>DUE: </a:t>
-            </a:r>
-            <a:r>
-              <a:rPr lang="en-CA" sz="2400" dirty="0" smtClean="0"/>
-              <a:t>Mod A.1, Mod D.1, Mod A.2 (</a:t>
+              <a:t>Past DUE: Mod A.1, Mod D.1, Mod A.2 (</a:t>
             </a:r>
             <a:r>
               <a:rPr lang="en-CA" sz="1900" dirty="0" smtClean="0"/>
@@ -3195,6 +3201,220 @@
       </p:par>
     </p:tnLst>
   </p:timing>
+</p:sld>
+</file>
+
+<file path=ppt/slides/slide2.xml><?xml version="1.0" encoding="utf-8"?>
+<p:sld xmlns:a="http://schemas.openxmlformats.org/drawingml/2006/main" xmlns:r="http://schemas.openxmlformats.org/officeDocument/2006/relationships" xmlns:p="http://schemas.openxmlformats.org/presentationml/2006/main">
+  <p:cSld>
+    <p:spTree>
+      <p:nvGrpSpPr>
+        <p:cNvPr id="1" name=""/>
+        <p:cNvGrpSpPr/>
+        <p:nvPr/>
+      </p:nvGrpSpPr>
+      <p:grpSpPr>
+        <a:xfrm>
+          <a:off x="0" y="0"/>
+          <a:ext cx="0" cy="0"/>
+          <a:chOff x="0" y="0"/>
+          <a:chExt cx="0" cy="0"/>
+        </a:xfrm>
+      </p:grpSpPr>
+      <p:sp>
+        <p:nvSpPr>
+          <p:cNvPr id="2" name="Title 1"/>
+          <p:cNvSpPr>
+            <a:spLocks noGrp="1"/>
+          </p:cNvSpPr>
+          <p:nvPr>
+            <p:ph type="title"/>
+          </p:nvPr>
+        </p:nvSpPr>
+        <p:spPr/>
+        <p:txBody>
+          <a:bodyPr/>
+          <a:lstStyle/>
+          <a:p>
+            <a:r>
+              <a:rPr lang="en-CA" dirty="0" smtClean="0"/>
+              <a:t>Warm-Up Quiz</a:t>
+            </a:r>
+            <a:endParaRPr lang="en-US" dirty="0"/>
+          </a:p>
+        </p:txBody>
+      </p:sp>
+      <p:sp>
+        <p:nvSpPr>
+          <p:cNvPr id="3" name="Content Placeholder 2"/>
+          <p:cNvSpPr>
+            <a:spLocks noGrp="1"/>
+          </p:cNvSpPr>
+          <p:nvPr>
+            <p:ph idx="1"/>
+          </p:nvPr>
+        </p:nvSpPr>
+        <p:spPr/>
+        <p:txBody>
+          <a:bodyPr>
+            <a:normAutofit fontScale="70000" lnSpcReduction="20000"/>
+          </a:bodyPr>
+          <a:lstStyle/>
+          <a:p>
+            <a:r>
+              <a:rPr lang="en-CA" dirty="0" smtClean="0"/>
+              <a:t>Type in the following statements:</a:t>
+            </a:r>
+          </a:p>
+          <a:p>
+            <a:pPr marL="800100" lvl="2" indent="0">
+              <a:buNone/>
+            </a:pPr>
+            <a:r>
+              <a:rPr lang="en-CA" sz="3100" i="1" dirty="0" smtClean="0">
+                <a:solidFill>
+                  <a:srgbClr val="002060"/>
+                </a:solidFill>
+              </a:rPr>
+              <a:t>variable1 = 3 + 5</a:t>
+            </a:r>
+          </a:p>
+          <a:p>
+            <a:pPr marL="800100" lvl="2" indent="0">
+              <a:buNone/>
+            </a:pPr>
+            <a:r>
+              <a:rPr lang="en-CA" sz="3100" i="1" dirty="0" smtClean="0">
+                <a:solidFill>
+                  <a:srgbClr val="002060"/>
+                </a:solidFill>
+              </a:rPr>
+              <a:t>variable2 = "3" + "5"</a:t>
+            </a:r>
+          </a:p>
+          <a:p>
+            <a:pPr marL="800100" lvl="2" indent="0">
+              <a:buNone/>
+            </a:pPr>
+            <a:r>
+              <a:rPr lang="en-US" sz="3100" i="1" dirty="0">
+                <a:solidFill>
+                  <a:srgbClr val="002060"/>
+                </a:solidFill>
+              </a:rPr>
+              <a:t>print(variable1 == variable2)</a:t>
+            </a:r>
+          </a:p>
+          <a:p>
+            <a:pPr marL="800100" lvl="2" indent="0">
+              <a:buNone/>
+            </a:pPr>
+            <a:r>
+              <a:rPr lang="en-CA" sz="3100" i="1" dirty="0" smtClean="0">
+                <a:solidFill>
+                  <a:srgbClr val="002060"/>
+                </a:solidFill>
+              </a:rPr>
+              <a:t>print(variable1)</a:t>
+            </a:r>
+          </a:p>
+          <a:p>
+            <a:pPr marL="800100" lvl="2" indent="0">
+              <a:buNone/>
+            </a:pPr>
+            <a:r>
+              <a:rPr lang="en-CA" sz="3100" i="1" dirty="0" smtClean="0">
+                <a:solidFill>
+                  <a:srgbClr val="002060"/>
+                </a:solidFill>
+              </a:rPr>
+              <a:t>print(variable2)</a:t>
+            </a:r>
+          </a:p>
+          <a:p>
+            <a:endParaRPr lang="en-CA" dirty="0"/>
+          </a:p>
+          <a:p>
+            <a:r>
+              <a:rPr lang="en-CA" dirty="0" smtClean="0"/>
+              <a:t>Describe and explain the results using the terms:</a:t>
+            </a:r>
+          </a:p>
+          <a:p>
+            <a:pPr marL="971550" lvl="1" indent="-514350">
+              <a:buFont typeface="+mj-lt"/>
+              <a:buAutoNum type="alphaLcParenR"/>
+            </a:pPr>
+            <a:r>
+              <a:rPr lang="en-CA" sz="2400" dirty="0" smtClean="0"/>
+              <a:t>Variable</a:t>
+            </a:r>
+          </a:p>
+          <a:p>
+            <a:pPr marL="971550" lvl="1" indent="-514350">
+              <a:buFont typeface="+mj-lt"/>
+              <a:buAutoNum type="alphaLcParenR"/>
+            </a:pPr>
+            <a:r>
+              <a:rPr lang="en-CA" sz="2400" dirty="0" smtClean="0"/>
+              <a:t>Assignment Statement</a:t>
+            </a:r>
+          </a:p>
+          <a:p>
+            <a:pPr marL="971550" lvl="1" indent="-514350">
+              <a:buFont typeface="+mj-lt"/>
+              <a:buAutoNum type="alphaLcParenR"/>
+            </a:pPr>
+            <a:r>
+              <a:rPr lang="en-CA" sz="2400" dirty="0" smtClean="0"/>
+              <a:t>Operator</a:t>
+            </a:r>
+          </a:p>
+          <a:p>
+            <a:pPr marL="971550" lvl="1" indent="-514350">
+              <a:buFont typeface="+mj-lt"/>
+              <a:buAutoNum type="alphaLcParenR"/>
+            </a:pPr>
+            <a:r>
+              <a:rPr lang="en-CA" sz="2400" dirty="0" smtClean="0"/>
+              <a:t>Comparison</a:t>
+            </a:r>
+          </a:p>
+          <a:p>
+            <a:pPr marL="971550" lvl="1" indent="-514350">
+              <a:buFont typeface="+mj-lt"/>
+              <a:buAutoNum type="alphaLcParenR"/>
+            </a:pPr>
+            <a:r>
+              <a:rPr lang="en-CA" sz="2400" dirty="0" smtClean="0"/>
+              <a:t>Integer</a:t>
+            </a:r>
+          </a:p>
+          <a:p>
+            <a:pPr marL="971550" lvl="1" indent="-514350">
+              <a:buFont typeface="+mj-lt"/>
+              <a:buAutoNum type="alphaLcParenR"/>
+            </a:pPr>
+            <a:r>
+              <a:rPr lang="en-CA" sz="2400" dirty="0" smtClean="0"/>
+              <a:t>String</a:t>
+            </a:r>
+          </a:p>
+          <a:p>
+            <a:endParaRPr lang="en-US" dirty="0"/>
+          </a:p>
+        </p:txBody>
+      </p:sp>
+    </p:spTree>
+    <p:extLst>
+      <p:ext uri="{BB962C8B-B14F-4D97-AF65-F5344CB8AC3E}">
+        <p14:creationId xmlns:p14="http://schemas.microsoft.com/office/powerpoint/2010/main" val="3554641010"/>
+      </p:ext>
+    </p:extLst>
+  </p:cSld>
+  <p:clrMapOvr>
+    <a:masterClrMapping/>
+  </p:clrMapOvr>
 </p:sld>
 </file>
 
